--- a/ViewSpaces_Concept_Updated_Presentation_Reordered.pptx
+++ b/ViewSpaces_Concept_Updated_Presentation_Reordered.pptx
@@ -5,13 +5,13 @@
     <p:sldMasterId id="2147483648" r:id="rId1"/>
   </p:sldMasterIdLst>
   <p:sldIdLst>
-    <p:sldId id="256" r:id="rId7"/>
-    <p:sldId id="257" r:id="rId8"/>
-    <p:sldId id="258" r:id="rId9"/>
-    <p:sldId id="259" r:id="rId10"/>
-    <p:sldId id="260" r:id="rId11"/>
-    <p:sldId id="261" r:id="rId12"/>
-    <p:sldId id="262" r:id="rId13"/>
+    <p:sldId id="256" r:id="rId2"/>
+    <p:sldId id="257" r:id="rId3"/>
+    <p:sldId id="258" r:id="rId4"/>
+    <p:sldId id="259" r:id="rId5"/>
+    <p:sldId id="260" r:id="rId6"/>
+    <p:sldId id="261" r:id="rId7"/>
+    <p:sldId id="262" r:id="rId8"/>
   </p:sldIdLst>
   <p:sldSz cx="9144000" cy="6858000" type="screen4x3"/>
   <p:notesSz cx="6858000" cy="9144000"/>
@@ -110,7 +110,135 @@
       </a:defRPr>
     </a:lvl9pPr>
   </p:defaultTextStyle>
+  <p:extLst>
+    <p:ext uri="{EFAFB233-063F-42B5-8137-9DF3F51BA10A}">
+      <p15:sldGuideLst xmlns:p15="http://schemas.microsoft.com/office/powerpoint/2012/main">
+        <p15:guide id="1" orient="horz" pos="2160">
+          <p15:clr>
+            <a:srgbClr val="A4A3A4"/>
+          </p15:clr>
+        </p15:guide>
+        <p15:guide id="2" pos="2880">
+          <p15:clr>
+            <a:srgbClr val="A4A3A4"/>
+          </p15:clr>
+        </p15:guide>
+      </p15:sldGuideLst>
+    </p:ext>
+  </p:extLst>
 </p:presentation>
+</file>
+
+<file path=ppt/revisionInfo.xml><?xml version="1.0" encoding="utf-8"?>
+<p1510:revInfo xmlns:a="http://schemas.openxmlformats.org/drawingml/2006/main" xmlns:r="http://schemas.openxmlformats.org/officeDocument/2006/relationships" xmlns:p1510="http://schemas.microsoft.com/office/powerpoint/2015/10/main">
+  <p1510:revLst>
+    <p1510:client id="{E373EAAE-6EB4-E5F1-F6EB-5F764490C856}" v="101" dt="2025-03-24T00:48:25.599"/>
+  </p1510:revLst>
+</p1510:revInfo>
+</file>
+
+<file path=ppt/changesInfos/changesInfo1.xml><?xml version="1.0" encoding="utf-8"?>
+<pc:chgInfo xmlns:a="http://schemas.openxmlformats.org/drawingml/2006/main" xmlns:r="http://schemas.openxmlformats.org/officeDocument/2006/relationships" xmlns:ac="http://schemas.microsoft.com/office/drawing/2013/main/command" xmlns:pc="http://schemas.microsoft.com/office/powerpoint/2013/main/command">
+  <pc:docChgLst>
+    <pc:chgData name="Julio Diaz Jr." userId="b43ce7fb2c019af2" providerId="Windows Live" clId="Web-{E373EAAE-6EB4-E5F1-F6EB-5F764490C856}"/>
+    <pc:docChg chg="modSld">
+      <pc:chgData name="Julio Diaz Jr." userId="b43ce7fb2c019af2" providerId="Windows Live" clId="Web-{E373EAAE-6EB4-E5F1-F6EB-5F764490C856}" dt="2025-03-24T00:48:25.599" v="100" actId="20577"/>
+      <pc:docMkLst>
+        <pc:docMk/>
+      </pc:docMkLst>
+      <pc:sldChg chg="modSp">
+        <pc:chgData name="Julio Diaz Jr." userId="b43ce7fb2c019af2" providerId="Windows Live" clId="Web-{E373EAAE-6EB4-E5F1-F6EB-5F764490C856}" dt="2025-03-24T00:47:24.753" v="99" actId="20577"/>
+        <pc:sldMkLst>
+          <pc:docMk/>
+          <pc:sldMk cId="0" sldId="257"/>
+        </pc:sldMkLst>
+        <pc:spChg chg="mod">
+          <ac:chgData name="Julio Diaz Jr." userId="b43ce7fb2c019af2" providerId="Windows Live" clId="Web-{E373EAAE-6EB4-E5F1-F6EB-5F764490C856}" dt="2025-03-24T00:47:24.753" v="99" actId="20577"/>
+          <ac:spMkLst>
+            <pc:docMk/>
+            <pc:sldMk cId="0" sldId="257"/>
+            <ac:spMk id="3" creationId="{00000000-0000-0000-0000-000000000000}"/>
+          </ac:spMkLst>
+        </pc:spChg>
+      </pc:sldChg>
+      <pc:sldChg chg="modSp">
+        <pc:chgData name="Julio Diaz Jr." userId="b43ce7fb2c019af2" providerId="Windows Live" clId="Web-{E373EAAE-6EB4-E5F1-F6EB-5F764490C856}" dt="2025-03-24T00:43:39.700" v="19" actId="20577"/>
+        <pc:sldMkLst>
+          <pc:docMk/>
+          <pc:sldMk cId="0" sldId="258"/>
+        </pc:sldMkLst>
+        <pc:spChg chg="mod">
+          <ac:chgData name="Julio Diaz Jr." userId="b43ce7fb2c019af2" providerId="Windows Live" clId="Web-{E373EAAE-6EB4-E5F1-F6EB-5F764490C856}" dt="2025-03-24T00:43:39.700" v="19" actId="20577"/>
+          <ac:spMkLst>
+            <pc:docMk/>
+            <pc:sldMk cId="0" sldId="258"/>
+            <ac:spMk id="3" creationId="{00000000-0000-0000-0000-000000000000}"/>
+          </ac:spMkLst>
+        </pc:spChg>
+      </pc:sldChg>
+      <pc:sldChg chg="modSp">
+        <pc:chgData name="Julio Diaz Jr." userId="b43ce7fb2c019af2" providerId="Windows Live" clId="Web-{E373EAAE-6EB4-E5F1-F6EB-5F764490C856}" dt="2025-03-24T00:48:25.599" v="100" actId="20577"/>
+        <pc:sldMkLst>
+          <pc:docMk/>
+          <pc:sldMk cId="0" sldId="259"/>
+        </pc:sldMkLst>
+        <pc:spChg chg="mod">
+          <ac:chgData name="Julio Diaz Jr." userId="b43ce7fb2c019af2" providerId="Windows Live" clId="Web-{E373EAAE-6EB4-E5F1-F6EB-5F764490C856}" dt="2025-03-24T00:48:25.599" v="100" actId="20577"/>
+          <ac:spMkLst>
+            <pc:docMk/>
+            <pc:sldMk cId="0" sldId="259"/>
+            <ac:spMk id="3" creationId="{00000000-0000-0000-0000-000000000000}"/>
+          </ac:spMkLst>
+        </pc:spChg>
+      </pc:sldChg>
+      <pc:sldChg chg="modSp">
+        <pc:chgData name="Julio Diaz Jr." userId="b43ce7fb2c019af2" providerId="Windows Live" clId="Web-{E373EAAE-6EB4-E5F1-F6EB-5F764490C856}" dt="2025-03-24T00:45:23.766" v="66" actId="20577"/>
+        <pc:sldMkLst>
+          <pc:docMk/>
+          <pc:sldMk cId="0" sldId="260"/>
+        </pc:sldMkLst>
+        <pc:spChg chg="mod">
+          <ac:chgData name="Julio Diaz Jr." userId="b43ce7fb2c019af2" providerId="Windows Live" clId="Web-{E373EAAE-6EB4-E5F1-F6EB-5F764490C856}" dt="2025-03-24T00:45:23.766" v="66" actId="20577"/>
+          <ac:spMkLst>
+            <pc:docMk/>
+            <pc:sldMk cId="0" sldId="260"/>
+            <ac:spMk id="3" creationId="{00000000-0000-0000-0000-000000000000}"/>
+          </ac:spMkLst>
+        </pc:spChg>
+      </pc:sldChg>
+      <pc:sldChg chg="modSp">
+        <pc:chgData name="Julio Diaz Jr." userId="b43ce7fb2c019af2" providerId="Windows Live" clId="Web-{E373EAAE-6EB4-E5F1-F6EB-5F764490C856}" dt="2025-03-24T00:45:46.704" v="73" actId="20577"/>
+        <pc:sldMkLst>
+          <pc:docMk/>
+          <pc:sldMk cId="0" sldId="261"/>
+        </pc:sldMkLst>
+        <pc:spChg chg="mod">
+          <ac:chgData name="Julio Diaz Jr." userId="b43ce7fb2c019af2" providerId="Windows Live" clId="Web-{E373EAAE-6EB4-E5F1-F6EB-5F764490C856}" dt="2025-03-24T00:45:46.704" v="73" actId="20577"/>
+          <ac:spMkLst>
+            <pc:docMk/>
+            <pc:sldMk cId="0" sldId="261"/>
+            <ac:spMk id="3" creationId="{00000000-0000-0000-0000-000000000000}"/>
+          </ac:spMkLst>
+        </pc:spChg>
+      </pc:sldChg>
+      <pc:sldChg chg="modSp">
+        <pc:chgData name="Julio Diaz Jr." userId="b43ce7fb2c019af2" providerId="Windows Live" clId="Web-{E373EAAE-6EB4-E5F1-F6EB-5F764490C856}" dt="2025-03-24T00:46:18.002" v="90" actId="20577"/>
+        <pc:sldMkLst>
+          <pc:docMk/>
+          <pc:sldMk cId="0" sldId="262"/>
+        </pc:sldMkLst>
+        <pc:spChg chg="mod">
+          <ac:chgData name="Julio Diaz Jr." userId="b43ce7fb2c019af2" providerId="Windows Live" clId="Web-{E373EAAE-6EB4-E5F1-F6EB-5F764490C856}" dt="2025-03-24T00:46:18.002" v="90" actId="20577"/>
+          <ac:spMkLst>
+            <pc:docMk/>
+            <pc:sldMk cId="0" sldId="262"/>
+            <ac:spMk id="3" creationId="{00000000-0000-0000-0000-000000000000}"/>
+          </ac:spMkLst>
+        </pc:spChg>
+      </pc:sldChg>
+    </pc:docChg>
+  </pc:docChgLst>
+</pc:chgInfo>
 </file>
 
 <file path=ppt/slideLayouts/slideLayout1.xml><?xml version="1.0" encoding="utf-8"?>
@@ -151,10 +279,9 @@
           <a:lstStyle/>
           <a:p>
             <a:r>
-              <a:rPr lang="en-US" smtClean="0"/>
+              <a:rPr lang="en-US"/>
               <a:t>Click to edit Master title style</a:t>
             </a:r>
-            <a:endParaRPr lang="en-US"/>
           </a:p>
         </p:txBody>
       </p:sp>
@@ -270,10 +397,9 @@
           </a:lstStyle>
           <a:p>
             <a:r>
-              <a:rPr lang="en-US" smtClean="0"/>
+              <a:rPr lang="en-US"/>
               <a:t>Click to edit Master subtitle style</a:t>
             </a:r>
-            <a:endParaRPr lang="en-US"/>
           </a:p>
         </p:txBody>
       </p:sp>
@@ -294,7 +420,7 @@
           <a:p>
             <a:fld id="{5BCAD085-E8A6-8845-BD4E-CB4CCA059FC4}" type="datetimeFigureOut">
               <a:rPr lang="en-US" smtClean="0"/>
-              <a:t>1/27/13</a:t>
+              <a:t>3/23/2025</a:t>
             </a:fld>
             <a:endParaRPr lang="en-US"/>
           </a:p>
@@ -388,10 +514,9 @@
           <a:lstStyle/>
           <a:p>
             <a:r>
-              <a:rPr lang="en-US" smtClean="0"/>
+              <a:rPr lang="en-US"/>
               <a:t>Click to edit Master title style</a:t>
             </a:r>
-            <a:endParaRPr lang="en-US"/>
           </a:p>
         </p:txBody>
       </p:sp>
@@ -412,38 +537,37 @@
           <a:p>
             <a:pPr lvl="0"/>
             <a:r>
-              <a:rPr lang="en-US" smtClean="0"/>
+              <a:rPr lang="en-US"/>
               <a:t>Click to edit Master text styles</a:t>
             </a:r>
           </a:p>
           <a:p>
             <a:pPr lvl="1"/>
             <a:r>
-              <a:rPr lang="en-US" smtClean="0"/>
+              <a:rPr lang="en-US"/>
               <a:t>Second level</a:t>
             </a:r>
           </a:p>
           <a:p>
             <a:pPr lvl="2"/>
             <a:r>
-              <a:rPr lang="en-US" smtClean="0"/>
+              <a:rPr lang="en-US"/>
               <a:t>Third level</a:t>
             </a:r>
           </a:p>
           <a:p>
             <a:pPr lvl="3"/>
             <a:r>
-              <a:rPr lang="en-US" smtClean="0"/>
+              <a:rPr lang="en-US"/>
               <a:t>Fourth level</a:t>
             </a:r>
           </a:p>
           <a:p>
             <a:pPr lvl="4"/>
             <a:r>
-              <a:rPr lang="en-US" smtClean="0"/>
+              <a:rPr lang="en-US"/>
               <a:t>Fifth level</a:t>
             </a:r>
-            <a:endParaRPr lang="en-US"/>
           </a:p>
         </p:txBody>
       </p:sp>
@@ -464,7 +588,7 @@
           <a:p>
             <a:fld id="{5BCAD085-E8A6-8845-BD4E-CB4CCA059FC4}" type="datetimeFigureOut">
               <a:rPr lang="en-US" smtClean="0"/>
-              <a:t>1/27/13</a:t>
+              <a:t>3/23/2025</a:t>
             </a:fld>
             <a:endParaRPr lang="en-US"/>
           </a:p>
@@ -563,10 +687,9 @@
           <a:lstStyle/>
           <a:p>
             <a:r>
-              <a:rPr lang="en-US" smtClean="0"/>
+              <a:rPr lang="en-US"/>
               <a:t>Click to edit Master title style</a:t>
             </a:r>
-            <a:endParaRPr lang="en-US"/>
           </a:p>
         </p:txBody>
       </p:sp>
@@ -592,38 +715,37 @@
           <a:p>
             <a:pPr lvl="0"/>
             <a:r>
-              <a:rPr lang="en-US" smtClean="0"/>
+              <a:rPr lang="en-US"/>
               <a:t>Click to edit Master text styles</a:t>
             </a:r>
           </a:p>
           <a:p>
             <a:pPr lvl="1"/>
             <a:r>
-              <a:rPr lang="en-US" smtClean="0"/>
+              <a:rPr lang="en-US"/>
               <a:t>Second level</a:t>
             </a:r>
           </a:p>
           <a:p>
             <a:pPr lvl="2"/>
             <a:r>
-              <a:rPr lang="en-US" smtClean="0"/>
+              <a:rPr lang="en-US"/>
               <a:t>Third level</a:t>
             </a:r>
           </a:p>
           <a:p>
             <a:pPr lvl="3"/>
             <a:r>
-              <a:rPr lang="en-US" smtClean="0"/>
+              <a:rPr lang="en-US"/>
               <a:t>Fourth level</a:t>
             </a:r>
           </a:p>
           <a:p>
             <a:pPr lvl="4"/>
             <a:r>
-              <a:rPr lang="en-US" smtClean="0"/>
+              <a:rPr lang="en-US"/>
               <a:t>Fifth level</a:t>
             </a:r>
-            <a:endParaRPr lang="en-US"/>
           </a:p>
         </p:txBody>
       </p:sp>
@@ -644,7 +766,7 @@
           <a:p>
             <a:fld id="{5BCAD085-E8A6-8845-BD4E-CB4CCA059FC4}" type="datetimeFigureOut">
               <a:rPr lang="en-US" smtClean="0"/>
-              <a:t>1/27/13</a:t>
+              <a:t>3/23/2025</a:t>
             </a:fld>
             <a:endParaRPr lang="en-US"/>
           </a:p>
@@ -738,10 +860,9 @@
           <a:lstStyle/>
           <a:p>
             <a:r>
-              <a:rPr lang="en-US" smtClean="0"/>
+              <a:rPr lang="en-US"/>
               <a:t>Click to edit Master title style</a:t>
             </a:r>
-            <a:endParaRPr lang="en-US"/>
           </a:p>
         </p:txBody>
       </p:sp>
@@ -762,38 +883,37 @@
           <a:p>
             <a:pPr lvl="0"/>
             <a:r>
-              <a:rPr lang="en-US" smtClean="0"/>
+              <a:rPr lang="en-US"/>
               <a:t>Click to edit Master text styles</a:t>
             </a:r>
           </a:p>
           <a:p>
             <a:pPr lvl="1"/>
             <a:r>
-              <a:rPr lang="en-US" smtClean="0"/>
+              <a:rPr lang="en-US"/>
               <a:t>Second level</a:t>
             </a:r>
           </a:p>
           <a:p>
             <a:pPr lvl="2"/>
             <a:r>
-              <a:rPr lang="en-US" smtClean="0"/>
+              <a:rPr lang="en-US"/>
               <a:t>Third level</a:t>
             </a:r>
           </a:p>
           <a:p>
             <a:pPr lvl="3"/>
             <a:r>
-              <a:rPr lang="en-US" smtClean="0"/>
+              <a:rPr lang="en-US"/>
               <a:t>Fourth level</a:t>
             </a:r>
           </a:p>
           <a:p>
             <a:pPr lvl="4"/>
             <a:r>
-              <a:rPr lang="en-US" smtClean="0"/>
+              <a:rPr lang="en-US"/>
               <a:t>Fifth level</a:t>
             </a:r>
-            <a:endParaRPr lang="en-US"/>
           </a:p>
         </p:txBody>
       </p:sp>
@@ -814,7 +934,7 @@
           <a:p>
             <a:fld id="{5BCAD085-E8A6-8845-BD4E-CB4CCA059FC4}" type="datetimeFigureOut">
               <a:rPr lang="en-US" smtClean="0"/>
-              <a:t>1/27/13</a:t>
+              <a:t>3/23/2025</a:t>
             </a:fld>
             <a:endParaRPr lang="en-US"/>
           </a:p>
@@ -917,10 +1037,9 @@
           </a:lstStyle>
           <a:p>
             <a:r>
-              <a:rPr lang="en-US" smtClean="0"/>
+              <a:rPr lang="en-US"/>
               <a:t>Click to edit Master title style</a:t>
             </a:r>
-            <a:endParaRPr lang="en-US"/>
           </a:p>
         </p:txBody>
       </p:sp>
@@ -1037,7 +1156,7 @@
           <a:p>
             <a:pPr lvl="0"/>
             <a:r>
-              <a:rPr lang="en-US" smtClean="0"/>
+              <a:rPr lang="en-US"/>
               <a:t>Click to edit Master text styles</a:t>
             </a:r>
           </a:p>
@@ -1060,7 +1179,7 @@
           <a:p>
             <a:fld id="{5BCAD085-E8A6-8845-BD4E-CB4CCA059FC4}" type="datetimeFigureOut">
               <a:rPr lang="en-US" smtClean="0"/>
-              <a:t>1/27/13</a:t>
+              <a:t>3/23/2025</a:t>
             </a:fld>
             <a:endParaRPr lang="en-US"/>
           </a:p>
@@ -1154,10 +1273,9 @@
           <a:lstStyle/>
           <a:p>
             <a:r>
-              <a:rPr lang="en-US" smtClean="0"/>
+              <a:rPr lang="en-US"/>
               <a:t>Click to edit Master title style</a:t>
             </a:r>
-            <a:endParaRPr lang="en-US"/>
           </a:p>
         </p:txBody>
       </p:sp>
@@ -1211,38 +1329,37 @@
           <a:p>
             <a:pPr lvl="0"/>
             <a:r>
-              <a:rPr lang="en-US" smtClean="0"/>
+              <a:rPr lang="en-US"/>
               <a:t>Click to edit Master text styles</a:t>
             </a:r>
           </a:p>
           <a:p>
             <a:pPr lvl="1"/>
             <a:r>
-              <a:rPr lang="en-US" smtClean="0"/>
+              <a:rPr lang="en-US"/>
               <a:t>Second level</a:t>
             </a:r>
           </a:p>
           <a:p>
             <a:pPr lvl="2"/>
             <a:r>
-              <a:rPr lang="en-US" smtClean="0"/>
+              <a:rPr lang="en-US"/>
               <a:t>Third level</a:t>
             </a:r>
           </a:p>
           <a:p>
             <a:pPr lvl="3"/>
             <a:r>
-              <a:rPr lang="en-US" smtClean="0"/>
+              <a:rPr lang="en-US"/>
               <a:t>Fourth level</a:t>
             </a:r>
           </a:p>
           <a:p>
             <a:pPr lvl="4"/>
             <a:r>
-              <a:rPr lang="en-US" smtClean="0"/>
+              <a:rPr lang="en-US"/>
               <a:t>Fifth level</a:t>
             </a:r>
-            <a:endParaRPr lang="en-US"/>
           </a:p>
         </p:txBody>
       </p:sp>
@@ -1296,38 +1413,37 @@
           <a:p>
             <a:pPr lvl="0"/>
             <a:r>
-              <a:rPr lang="en-US" smtClean="0"/>
+              <a:rPr lang="en-US"/>
               <a:t>Click to edit Master text styles</a:t>
             </a:r>
           </a:p>
           <a:p>
             <a:pPr lvl="1"/>
             <a:r>
-              <a:rPr lang="en-US" smtClean="0"/>
+              <a:rPr lang="en-US"/>
               <a:t>Second level</a:t>
             </a:r>
           </a:p>
           <a:p>
             <a:pPr lvl="2"/>
             <a:r>
-              <a:rPr lang="en-US" smtClean="0"/>
+              <a:rPr lang="en-US"/>
               <a:t>Third level</a:t>
             </a:r>
           </a:p>
           <a:p>
             <a:pPr lvl="3"/>
             <a:r>
-              <a:rPr lang="en-US" smtClean="0"/>
+              <a:rPr lang="en-US"/>
               <a:t>Fourth level</a:t>
             </a:r>
           </a:p>
           <a:p>
             <a:pPr lvl="4"/>
             <a:r>
-              <a:rPr lang="en-US" smtClean="0"/>
+              <a:rPr lang="en-US"/>
               <a:t>Fifth level</a:t>
             </a:r>
-            <a:endParaRPr lang="en-US"/>
           </a:p>
         </p:txBody>
       </p:sp>
@@ -1348,7 +1464,7 @@
           <a:p>
             <a:fld id="{5BCAD085-E8A6-8845-BD4E-CB4CCA059FC4}" type="datetimeFigureOut">
               <a:rPr lang="en-US" smtClean="0"/>
-              <a:t>1/27/13</a:t>
+              <a:t>3/23/2025</a:t>
             </a:fld>
             <a:endParaRPr lang="en-US"/>
           </a:p>
@@ -1446,10 +1562,9 @@
           </a:lstStyle>
           <a:p>
             <a:r>
-              <a:rPr lang="en-US" smtClean="0"/>
+              <a:rPr lang="en-US"/>
               <a:t>Click to edit Master title style</a:t>
             </a:r>
-            <a:endParaRPr lang="en-US"/>
           </a:p>
         </p:txBody>
       </p:sp>
@@ -1512,7 +1627,7 @@
           <a:p>
             <a:pPr lvl="0"/>
             <a:r>
-              <a:rPr lang="en-US" smtClean="0"/>
+              <a:rPr lang="en-US"/>
               <a:t>Click to edit Master text styles</a:t>
             </a:r>
           </a:p>
@@ -1568,38 +1683,37 @@
           <a:p>
             <a:pPr lvl="0"/>
             <a:r>
-              <a:rPr lang="en-US" smtClean="0"/>
+              <a:rPr lang="en-US"/>
               <a:t>Click to edit Master text styles</a:t>
             </a:r>
           </a:p>
           <a:p>
             <a:pPr lvl="1"/>
             <a:r>
-              <a:rPr lang="en-US" smtClean="0"/>
+              <a:rPr lang="en-US"/>
               <a:t>Second level</a:t>
             </a:r>
           </a:p>
           <a:p>
             <a:pPr lvl="2"/>
             <a:r>
-              <a:rPr lang="en-US" smtClean="0"/>
+              <a:rPr lang="en-US"/>
               <a:t>Third level</a:t>
             </a:r>
           </a:p>
           <a:p>
             <a:pPr lvl="3"/>
             <a:r>
-              <a:rPr lang="en-US" smtClean="0"/>
+              <a:rPr lang="en-US"/>
               <a:t>Fourth level</a:t>
             </a:r>
           </a:p>
           <a:p>
             <a:pPr lvl="4"/>
             <a:r>
-              <a:rPr lang="en-US" smtClean="0"/>
+              <a:rPr lang="en-US"/>
               <a:t>Fifth level</a:t>
             </a:r>
-            <a:endParaRPr lang="en-US"/>
           </a:p>
         </p:txBody>
       </p:sp>
@@ -1662,7 +1776,7 @@
           <a:p>
             <a:pPr lvl="0"/>
             <a:r>
-              <a:rPr lang="en-US" smtClean="0"/>
+              <a:rPr lang="en-US"/>
               <a:t>Click to edit Master text styles</a:t>
             </a:r>
           </a:p>
@@ -1718,38 +1832,37 @@
           <a:p>
             <a:pPr lvl="0"/>
             <a:r>
-              <a:rPr lang="en-US" smtClean="0"/>
+              <a:rPr lang="en-US"/>
               <a:t>Click to edit Master text styles</a:t>
             </a:r>
           </a:p>
           <a:p>
             <a:pPr lvl="1"/>
             <a:r>
-              <a:rPr lang="en-US" smtClean="0"/>
+              <a:rPr lang="en-US"/>
               <a:t>Second level</a:t>
             </a:r>
           </a:p>
           <a:p>
             <a:pPr lvl="2"/>
             <a:r>
-              <a:rPr lang="en-US" smtClean="0"/>
+              <a:rPr lang="en-US"/>
               <a:t>Third level</a:t>
             </a:r>
           </a:p>
           <a:p>
             <a:pPr lvl="3"/>
             <a:r>
-              <a:rPr lang="en-US" smtClean="0"/>
+              <a:rPr lang="en-US"/>
               <a:t>Fourth level</a:t>
             </a:r>
           </a:p>
           <a:p>
             <a:pPr lvl="4"/>
             <a:r>
-              <a:rPr lang="en-US" smtClean="0"/>
+              <a:rPr lang="en-US"/>
               <a:t>Fifth level</a:t>
             </a:r>
-            <a:endParaRPr lang="en-US"/>
           </a:p>
         </p:txBody>
       </p:sp>
@@ -1770,7 +1883,7 @@
           <a:p>
             <a:fld id="{5BCAD085-E8A6-8845-BD4E-CB4CCA059FC4}" type="datetimeFigureOut">
               <a:rPr lang="en-US" smtClean="0"/>
-              <a:t>1/27/13</a:t>
+              <a:t>3/23/2025</a:t>
             </a:fld>
             <a:endParaRPr lang="en-US"/>
           </a:p>
@@ -1864,10 +1977,9 @@
           <a:lstStyle/>
           <a:p>
             <a:r>
-              <a:rPr lang="en-US" smtClean="0"/>
+              <a:rPr lang="en-US"/>
               <a:t>Click to edit Master title style</a:t>
             </a:r>
-            <a:endParaRPr lang="en-US"/>
           </a:p>
         </p:txBody>
       </p:sp>
@@ -1888,7 +2000,7 @@
           <a:p>
             <a:fld id="{5BCAD085-E8A6-8845-BD4E-CB4CCA059FC4}" type="datetimeFigureOut">
               <a:rPr lang="en-US" smtClean="0"/>
-              <a:t>1/27/13</a:t>
+              <a:t>3/23/2025</a:t>
             </a:fld>
             <a:endParaRPr lang="en-US"/>
           </a:p>
@@ -1983,7 +2095,7 @@
           <a:p>
             <a:fld id="{5BCAD085-E8A6-8845-BD4E-CB4CCA059FC4}" type="datetimeFigureOut">
               <a:rPr lang="en-US" smtClean="0"/>
-              <a:t>1/27/13</a:t>
+              <a:t>3/23/2025</a:t>
             </a:fld>
             <a:endParaRPr lang="en-US"/>
           </a:p>
@@ -2086,10 +2198,9 @@
           </a:lstStyle>
           <a:p>
             <a:r>
-              <a:rPr lang="en-US" smtClean="0"/>
+              <a:rPr lang="en-US"/>
               <a:t>Click to edit Master title style</a:t>
             </a:r>
-            <a:endParaRPr lang="en-US"/>
           </a:p>
         </p:txBody>
       </p:sp>
@@ -2143,38 +2254,37 @@
           <a:p>
             <a:pPr lvl="0"/>
             <a:r>
-              <a:rPr lang="en-US" smtClean="0"/>
+              <a:rPr lang="en-US"/>
               <a:t>Click to edit Master text styles</a:t>
             </a:r>
           </a:p>
           <a:p>
             <a:pPr lvl="1"/>
             <a:r>
-              <a:rPr lang="en-US" smtClean="0"/>
+              <a:rPr lang="en-US"/>
               <a:t>Second level</a:t>
             </a:r>
           </a:p>
           <a:p>
             <a:pPr lvl="2"/>
             <a:r>
-              <a:rPr lang="en-US" smtClean="0"/>
+              <a:rPr lang="en-US"/>
               <a:t>Third level</a:t>
             </a:r>
           </a:p>
           <a:p>
             <a:pPr lvl="3"/>
             <a:r>
-              <a:rPr lang="en-US" smtClean="0"/>
+              <a:rPr lang="en-US"/>
               <a:t>Fourth level</a:t>
             </a:r>
           </a:p>
           <a:p>
             <a:pPr lvl="4"/>
             <a:r>
-              <a:rPr lang="en-US" smtClean="0"/>
+              <a:rPr lang="en-US"/>
               <a:t>Fifth level</a:t>
             </a:r>
-            <a:endParaRPr lang="en-US"/>
           </a:p>
         </p:txBody>
       </p:sp>
@@ -2237,7 +2347,7 @@
           <a:p>
             <a:pPr lvl="0"/>
             <a:r>
-              <a:rPr lang="en-US" smtClean="0"/>
+              <a:rPr lang="en-US"/>
               <a:t>Click to edit Master text styles</a:t>
             </a:r>
           </a:p>
@@ -2260,7 +2370,7 @@
           <a:p>
             <a:fld id="{5BCAD085-E8A6-8845-BD4E-CB4CCA059FC4}" type="datetimeFigureOut">
               <a:rPr lang="en-US" smtClean="0"/>
-              <a:t>1/27/13</a:t>
+              <a:t>3/23/2025</a:t>
             </a:fld>
             <a:endParaRPr lang="en-US"/>
           </a:p>
@@ -2363,10 +2473,9 @@
           </a:lstStyle>
           <a:p>
             <a:r>
-              <a:rPr lang="en-US" smtClean="0"/>
+              <a:rPr lang="en-US"/>
               <a:t>Click to edit Master title style</a:t>
             </a:r>
-            <a:endParaRPr lang="en-US"/>
           </a:p>
         </p:txBody>
       </p:sp>
@@ -2490,7 +2599,7 @@
           <a:p>
             <a:pPr lvl="0"/>
             <a:r>
-              <a:rPr lang="en-US" smtClean="0"/>
+              <a:rPr lang="en-US"/>
               <a:t>Click to edit Master text styles</a:t>
             </a:r>
           </a:p>
@@ -2513,7 +2622,7 @@
           <a:p>
             <a:fld id="{5BCAD085-E8A6-8845-BD4E-CB4CCA059FC4}" type="datetimeFigureOut">
               <a:rPr lang="en-US" smtClean="0"/>
-              <a:t>1/27/13</a:t>
+              <a:t>3/23/2025</a:t>
             </a:fld>
             <a:endParaRPr lang="en-US"/>
           </a:p>
@@ -2622,10 +2731,9 @@
           <a:lstStyle/>
           <a:p>
             <a:r>
-              <a:rPr lang="en-US" smtClean="0"/>
+              <a:rPr lang="en-US"/>
               <a:t>Click to edit Master title style</a:t>
             </a:r>
-            <a:endParaRPr lang="en-US"/>
           </a:p>
         </p:txBody>
       </p:sp>
@@ -2656,38 +2764,37 @@
           <a:p>
             <a:pPr lvl="0"/>
             <a:r>
-              <a:rPr lang="en-US" smtClean="0"/>
+              <a:rPr lang="en-US"/>
               <a:t>Click to edit Master text styles</a:t>
             </a:r>
           </a:p>
           <a:p>
             <a:pPr lvl="1"/>
             <a:r>
-              <a:rPr lang="en-US" smtClean="0"/>
+              <a:rPr lang="en-US"/>
               <a:t>Second level</a:t>
             </a:r>
           </a:p>
           <a:p>
             <a:pPr lvl="2"/>
             <a:r>
-              <a:rPr lang="en-US" smtClean="0"/>
+              <a:rPr lang="en-US"/>
               <a:t>Third level</a:t>
             </a:r>
           </a:p>
           <a:p>
             <a:pPr lvl="3"/>
             <a:r>
-              <a:rPr lang="en-US" smtClean="0"/>
+              <a:rPr lang="en-US"/>
               <a:t>Fourth level</a:t>
             </a:r>
           </a:p>
           <a:p>
             <a:pPr lvl="4"/>
             <a:r>
-              <a:rPr lang="en-US" smtClean="0"/>
+              <a:rPr lang="en-US"/>
               <a:t>Fifth level</a:t>
             </a:r>
-            <a:endParaRPr lang="en-US"/>
           </a:p>
         </p:txBody>
       </p:sp>
@@ -2726,7 +2833,7 @@
           <a:p>
             <a:fld id="{5BCAD085-E8A6-8845-BD4E-CB4CCA059FC4}" type="datetimeFigureOut">
               <a:rPr lang="en-US" smtClean="0"/>
-              <a:t>1/27/13</a:t>
+              <a:t>3/23/2025</a:t>
             </a:fld>
             <a:endParaRPr lang="en-US"/>
           </a:p>
@@ -3085,7 +3192,7 @@
 </file>
 
 <file path=ppt/slides/slide1.xml><?xml version="1.0" encoding="utf-8"?>
-<p:sld xmlns:a="http://schemas.openxmlformats.org/drawingml/2006/main" xmlns:p="http://schemas.openxmlformats.org/presentationml/2006/main" xmlns:r="http://schemas.openxmlformats.org/officeDocument/2006/relationships">
+<p:sld xmlns:a="http://schemas.openxmlformats.org/drawingml/2006/main" xmlns:r="http://schemas.openxmlformats.org/officeDocument/2006/relationships" xmlns:p="http://schemas.openxmlformats.org/presentationml/2006/main">
   <p:cSld>
     <p:spTree>
       <p:nvGrpSpPr>
@@ -3093,7 +3200,14 @@
         <p:cNvGrpSpPr/>
         <p:nvPr/>
       </p:nvGrpSpPr>
-      <p:grpSpPr/>
+      <p:grpSpPr>
+        <a:xfrm>
+          <a:off x="0" y="0"/>
+          <a:ext cx="0" cy="0"/>
+          <a:chOff x="0" y="0"/>
+          <a:chExt cx="0" cy="0"/>
+        </a:xfrm>
+      </p:grpSpPr>
       <p:sp>
         <p:nvSpPr>
           <p:cNvPr id="2" name="Title 1"/>
@@ -3145,7 +3259,7 @@
 </file>
 
 <file path=ppt/slides/slide2.xml><?xml version="1.0" encoding="utf-8"?>
-<p:sld xmlns:a="http://schemas.openxmlformats.org/drawingml/2006/main" xmlns:p="http://schemas.openxmlformats.org/presentationml/2006/main" xmlns:r="http://schemas.openxmlformats.org/officeDocument/2006/relationships">
+<p:sld xmlns:a="http://schemas.openxmlformats.org/drawingml/2006/main" xmlns:r="http://schemas.openxmlformats.org/officeDocument/2006/relationships" xmlns:p="http://schemas.openxmlformats.org/presentationml/2006/main">
   <p:cSld>
     <p:spTree>
       <p:nvGrpSpPr>
@@ -3153,7 +3267,14 @@
         <p:cNvGrpSpPr/>
         <p:nvPr/>
       </p:nvGrpSpPr>
-      <p:grpSpPr/>
+      <p:grpSpPr>
+        <a:xfrm>
+          <a:off x="0" y="0"/>
+          <a:ext cx="0" cy="0"/>
+          <a:chOff x="0" y="0"/>
+          <a:chExt cx="0" cy="0"/>
+        </a:xfrm>
+      </p:grpSpPr>
       <p:sp>
         <p:nvSpPr>
           <p:cNvPr id="2" name="Title 1"/>
@@ -3187,40 +3308,94 @@
         </p:nvSpPr>
         <p:spPr/>
         <p:txBody>
-          <a:bodyPr/>
-          <a:lstStyle/>
-          <a:p/>
+          <a:bodyPr vert="horz" lIns="91440" tIns="45720" rIns="91440" bIns="45720" rtlCol="0" anchor="t">
+            <a:normAutofit/>
+          </a:bodyPr>
+          <a:lstStyle/>
           <a:p>
             <a:pPr>
               <a:defRPr sz="2400"/>
             </a:pPr>
             <a:r>
+              <a:rPr dirty="0"/>
               <a:t>Power BI model holds only two days of in-memory data due to capacity constraints.</a:t>
             </a:r>
+            <a:br>
+              <a:rPr lang="en-US" dirty="0"/>
+            </a:br>
+            <a:endParaRPr lang="en-US" dirty="0">
+              <a:ea typeface="Calibri"/>
+              <a:cs typeface="Calibri"/>
+            </a:endParaRPr>
           </a:p>
           <a:p>
             <a:pPr>
               <a:defRPr sz="2400"/>
             </a:pPr>
             <a:r>
-              <a:t>Historical or high-granularity queries fall back to DirectQuery.</a:t>
-            </a:r>
+              <a:rPr dirty="0"/>
+              <a:t>Historical or high-granularity queries fall back to </a:t>
+            </a:r>
+            <a:r>
+              <a:rPr lang="en-US" dirty="0"/>
+              <a:t>Direct Query</a:t>
+            </a:r>
+            <a:r>
+              <a:rPr dirty="0"/>
+              <a:t>.</a:t>
+            </a:r>
+            <a:br>
+              <a:rPr lang="en-US" dirty="0"/>
+            </a:br>
+            <a:endParaRPr dirty="0">
+              <a:ea typeface="Calibri"/>
+              <a:cs typeface="Calibri"/>
+            </a:endParaRPr>
           </a:p>
           <a:p>
             <a:pPr>
               <a:defRPr sz="2400"/>
             </a:pPr>
             <a:r>
-              <a:t>Slow performance, Excel instability, and high compute pressure on Databricks.</a:t>
-            </a:r>
+              <a:rPr dirty="0"/>
+              <a:t>Slow performance, Excel instability, and high compute pressure on</a:t>
+            </a:r>
+            <a:r>
+              <a:rPr lang="en-US" dirty="0"/>
+              <a:t> both</a:t>
+            </a:r>
+            <a:r>
+              <a:rPr dirty="0"/>
+              <a:t> </a:t>
+            </a:r>
+            <a:r>
+              <a:rPr lang="en-US" dirty="0"/>
+              <a:t>Power BI and </a:t>
+            </a:r>
+            <a:r>
+              <a:rPr dirty="0"/>
+              <a:t>Databricks.</a:t>
+            </a:r>
+            <a:br>
+              <a:rPr lang="en-US" dirty="0"/>
+            </a:br>
+            <a:endParaRPr dirty="0">
+              <a:ea typeface="Calibri"/>
+              <a:cs typeface="Calibri"/>
+            </a:endParaRPr>
           </a:p>
           <a:p>
             <a:pPr>
               <a:defRPr sz="2400"/>
             </a:pPr>
             <a:r>
+              <a:rPr dirty="0"/>
               <a:t>No mechanism for users to pre-run and consume long-range queries efficiently.</a:t>
             </a:r>
+            <a:endParaRPr dirty="0">
+              <a:ea typeface="Calibri"/>
+              <a:cs typeface="Calibri"/>
+            </a:endParaRPr>
           </a:p>
         </p:txBody>
       </p:sp>
@@ -3233,7 +3408,7 @@
 </file>
 
 <file path=ppt/slides/slide3.xml><?xml version="1.0" encoding="utf-8"?>
-<p:sld xmlns:a="http://schemas.openxmlformats.org/drawingml/2006/main" xmlns:p="http://schemas.openxmlformats.org/presentationml/2006/main" xmlns:r="http://schemas.openxmlformats.org/officeDocument/2006/relationships">
+<p:sld xmlns:a="http://schemas.openxmlformats.org/drawingml/2006/main" xmlns:r="http://schemas.openxmlformats.org/officeDocument/2006/relationships" xmlns:p="http://schemas.openxmlformats.org/presentationml/2006/main">
   <p:cSld>
     <p:spTree>
       <p:nvGrpSpPr>
@@ -3241,7 +3416,14 @@
         <p:cNvGrpSpPr/>
         <p:nvPr/>
       </p:nvGrpSpPr>
-      <p:grpSpPr/>
+      <p:grpSpPr>
+        <a:xfrm>
+          <a:off x="0" y="0"/>
+          <a:ext cx="0" cy="0"/>
+          <a:chOff x="0" y="0"/>
+          <a:chExt cx="0" cy="0"/>
+        </a:xfrm>
+      </p:grpSpPr>
       <p:sp>
         <p:nvSpPr>
           <p:cNvPr id="2" name="Title 1"/>
@@ -3275,56 +3457,110 @@
         </p:nvSpPr>
         <p:spPr/>
         <p:txBody>
-          <a:bodyPr/>
-          <a:lstStyle/>
-          <a:p/>
+          <a:bodyPr vert="horz" lIns="91440" tIns="45720" rIns="91440" bIns="45720" rtlCol="0" anchor="t">
+            <a:normAutofit/>
+          </a:bodyPr>
+          <a:lstStyle/>
           <a:p>
             <a:pPr>
               <a:defRPr sz="2400"/>
             </a:pPr>
             <a:r>
+              <a:rPr sz="2000" dirty="0"/>
               <a:t>Introduce 'View Spaces': user-defined containers for long-running queries.</a:t>
             </a:r>
+            <a:br>
+              <a:rPr lang="en-US" sz="2000" dirty="0"/>
+            </a:br>
+            <a:endParaRPr lang="en-US" sz="2000">
+              <a:ea typeface="Calibri"/>
+              <a:cs typeface="Calibri"/>
+            </a:endParaRPr>
           </a:p>
           <a:p>
             <a:pPr>
               <a:defRPr sz="2400"/>
             </a:pPr>
             <a:r>
+              <a:rPr sz="2000" dirty="0"/>
               <a:t>Users define Analytical Views with attributes, filters, and execution timing.</a:t>
             </a:r>
+            <a:br>
+              <a:rPr lang="en-US" sz="2000" dirty="0"/>
+            </a:br>
+            <a:endParaRPr sz="2000">
+              <a:ea typeface="Calibri"/>
+              <a:cs typeface="Calibri"/>
+            </a:endParaRPr>
           </a:p>
           <a:p>
             <a:pPr>
               <a:defRPr sz="2400"/>
             </a:pPr>
             <a:r>
-              <a:t>Service creates tables in Databricks and links them in Power BI using DirectQuery.</a:t>
-            </a:r>
+              <a:rPr sz="2000" dirty="0"/>
+              <a:t>Service creates tables in Databricks and links them in Power BI using </a:t>
+            </a:r>
+            <a:r>
+              <a:rPr lang="en-US" sz="2000" dirty="0"/>
+              <a:t>Direct Query</a:t>
+            </a:r>
+            <a:r>
+              <a:rPr sz="2000" dirty="0"/>
+              <a:t>.</a:t>
+            </a:r>
+            <a:br>
+              <a:rPr lang="en-US" sz="2000" dirty="0"/>
+            </a:br>
+            <a:endParaRPr sz="2000">
+              <a:ea typeface="Calibri"/>
+              <a:cs typeface="Calibri"/>
+            </a:endParaRPr>
           </a:p>
           <a:p>
             <a:pPr>
               <a:defRPr sz="2400"/>
             </a:pPr>
             <a:r>
+              <a:rPr sz="2000" dirty="0"/>
               <a:t>Scheduled execution loads data into Databricks, ready for fast consumption.</a:t>
             </a:r>
+            <a:br>
+              <a:rPr lang="en-US" sz="2000" dirty="0"/>
+            </a:br>
+            <a:endParaRPr sz="2000">
+              <a:ea typeface="Calibri"/>
+              <a:cs typeface="Calibri"/>
+            </a:endParaRPr>
           </a:p>
           <a:p>
             <a:pPr>
               <a:defRPr sz="2400"/>
             </a:pPr>
             <a:r>
+              <a:rPr sz="2000" dirty="0"/>
               <a:t>Users can choose to accumulate data daily, weekly, or monthly.</a:t>
             </a:r>
+            <a:br>
+              <a:rPr lang="en-US" sz="2000" dirty="0"/>
+            </a:br>
+            <a:endParaRPr sz="2000">
+              <a:ea typeface="Calibri"/>
+              <a:cs typeface="Calibri"/>
+            </a:endParaRPr>
           </a:p>
           <a:p>
             <a:pPr>
               <a:defRPr sz="2400"/>
             </a:pPr>
             <a:r>
+              <a:rPr sz="2000" dirty="0"/>
               <a:t>Retention policy resets data after a specified time window (e.g., 1 year).</a:t>
             </a:r>
+            <a:endParaRPr sz="2000" dirty="0">
+              <a:ea typeface="Calibri"/>
+              <a:cs typeface="Calibri"/>
+            </a:endParaRPr>
           </a:p>
         </p:txBody>
       </p:sp>
@@ -3337,7 +3573,7 @@
 </file>
 
 <file path=ppt/slides/slide4.xml><?xml version="1.0" encoding="utf-8"?>
-<p:sld xmlns:a="http://schemas.openxmlformats.org/drawingml/2006/main" xmlns:p="http://schemas.openxmlformats.org/presentationml/2006/main" xmlns:r="http://schemas.openxmlformats.org/officeDocument/2006/relationships">
+<p:sld xmlns:a="http://schemas.openxmlformats.org/drawingml/2006/main" xmlns:r="http://schemas.openxmlformats.org/officeDocument/2006/relationships" xmlns:p="http://schemas.openxmlformats.org/presentationml/2006/main">
   <p:cSld>
     <p:spTree>
       <p:nvGrpSpPr>
@@ -3345,7 +3581,14 @@
         <p:cNvGrpSpPr/>
         <p:nvPr/>
       </p:nvGrpSpPr>
-      <p:grpSpPr/>
+      <p:grpSpPr>
+        <a:xfrm>
+          <a:off x="0" y="0"/>
+          <a:ext cx="0" cy="0"/>
+          <a:chOff x="0" y="0"/>
+          <a:chExt cx="0" cy="0"/>
+        </a:xfrm>
+      </p:grpSpPr>
       <p:sp>
         <p:nvSpPr>
           <p:cNvPr id="2" name="Title 1"/>
@@ -3379,56 +3622,114 @@
         </p:nvSpPr>
         <p:spPr/>
         <p:txBody>
-          <a:bodyPr/>
-          <a:lstStyle/>
-          <a:p/>
+          <a:bodyPr vert="horz" lIns="91440" tIns="45720" rIns="91440" bIns="45720" rtlCol="0" anchor="t">
+            <a:normAutofit lnSpcReduction="10000"/>
+          </a:bodyPr>
+          <a:lstStyle/>
           <a:p>
             <a:pPr>
               <a:defRPr sz="2400"/>
             </a:pPr>
             <a:r>
+              <a:rPr dirty="0"/>
               <a:t>Support for data accumulation and retention policies.</a:t>
             </a:r>
+            <a:br>
+              <a:rPr lang="en-US" dirty="0"/>
+            </a:br>
+            <a:endParaRPr lang="en-US"/>
           </a:p>
           <a:p>
             <a:pPr>
               <a:defRPr sz="2400"/>
             </a:pPr>
             <a:r>
+              <a:rPr dirty="0"/>
               <a:t>Self-service creation of View Spaces and Analytical Views.</a:t>
             </a:r>
+            <a:br>
+              <a:rPr lang="en-US" dirty="0"/>
+            </a:br>
+            <a:endParaRPr dirty="0">
+              <a:ea typeface="Calibri"/>
+              <a:cs typeface="Calibri"/>
+            </a:endParaRPr>
           </a:p>
           <a:p>
             <a:pPr>
               <a:defRPr sz="2400"/>
             </a:pPr>
             <a:r>
+              <a:rPr dirty="0"/>
               <a:t>Support for scheduled and event-driven query execution.</a:t>
             </a:r>
+            <a:br>
+              <a:rPr lang="en-US" dirty="0"/>
+            </a:br>
+            <a:endParaRPr dirty="0">
+              <a:ea typeface="Calibri"/>
+              <a:cs typeface="Calibri"/>
+            </a:endParaRPr>
           </a:p>
           <a:p>
             <a:pPr>
               <a:defRPr sz="2400"/>
             </a:pPr>
             <a:r>
+              <a:rPr dirty="0"/>
               <a:t>Metadata stored in PostgreSQL for traceability.</a:t>
             </a:r>
+            <a:br>
+              <a:rPr lang="en-US" dirty="0"/>
+            </a:br>
+            <a:endParaRPr dirty="0">
+              <a:ea typeface="Calibri"/>
+              <a:cs typeface="Calibri"/>
+            </a:endParaRPr>
           </a:p>
           <a:p>
             <a:pPr>
               <a:defRPr sz="2400"/>
             </a:pPr>
             <a:r>
-              <a:t>Dynamic creation of DirectQuery tables and Power BI perspectives.</a:t>
-            </a:r>
+              <a:rPr dirty="0"/>
+              <a:t>Dynamic creation of </a:t>
+            </a:r>
+            <a:r>
+              <a:rPr lang="en-US" dirty="0"/>
+              <a:t>Direct Query</a:t>
+            </a:r>
+            <a:r>
+              <a:rPr dirty="0"/>
+              <a:t> tables and Power BI </a:t>
+            </a:r>
+            <a:r>
+              <a:t>perspectives</a:t>
+            </a:r>
+            <a:r>
+              <a:rPr lang="en-US"/>
+              <a:t>..</a:t>
+            </a:r>
+            <a:br>
+              <a:rPr lang="en-US" dirty="0"/>
+            </a:br>
+            <a:endParaRPr dirty="0">
+              <a:ea typeface="Calibri"/>
+              <a:cs typeface="Calibri"/>
+            </a:endParaRPr>
           </a:p>
           <a:p>
             <a:pPr>
               <a:defRPr sz="2400"/>
             </a:pPr>
             <a:r>
+              <a:rPr dirty="0"/>
               <a:t>Notifications when queries complete and data is available.</a:t>
             </a:r>
+            <a:endParaRPr dirty="0">
+              <a:ea typeface="Calibri"/>
+              <a:cs typeface="Calibri"/>
+            </a:endParaRPr>
           </a:p>
         </p:txBody>
       </p:sp>
@@ -3441,7 +3742,7 @@
 </file>
 
 <file path=ppt/slides/slide5.xml><?xml version="1.0" encoding="utf-8"?>
-<p:sld xmlns:a="http://schemas.openxmlformats.org/drawingml/2006/main" xmlns:p="http://schemas.openxmlformats.org/presentationml/2006/main" xmlns:r="http://schemas.openxmlformats.org/officeDocument/2006/relationships">
+<p:sld xmlns:a="http://schemas.openxmlformats.org/drawingml/2006/main" xmlns:r="http://schemas.openxmlformats.org/officeDocument/2006/relationships" xmlns:p="http://schemas.openxmlformats.org/presentationml/2006/main">
   <p:cSld>
     <p:spTree>
       <p:nvGrpSpPr>
@@ -3449,7 +3750,14 @@
         <p:cNvGrpSpPr/>
         <p:nvPr/>
       </p:nvGrpSpPr>
-      <p:grpSpPr/>
+      <p:grpSpPr>
+        <a:xfrm>
+          <a:off x="0" y="0"/>
+          <a:ext cx="0" cy="0"/>
+          <a:chOff x="0" y="0"/>
+          <a:chExt cx="0" cy="0"/>
+        </a:xfrm>
+      </p:grpSpPr>
       <p:sp>
         <p:nvSpPr>
           <p:cNvPr id="2" name="Title 1"/>
@@ -3483,64 +3791,132 @@
         </p:nvSpPr>
         <p:spPr/>
         <p:txBody>
-          <a:bodyPr/>
-          <a:lstStyle/>
-          <a:p/>
-          <a:p>
-            <a:pPr>
+          <a:bodyPr vert="horz" lIns="91440" tIns="45720" rIns="91440" bIns="45720" rtlCol="0" anchor="t">
+            <a:normAutofit fontScale="92500" lnSpcReduction="10000"/>
+          </a:bodyPr>
+          <a:lstStyle/>
+          <a:p>
+            <a:pPr marL="457200" indent="-457200">
+              <a:buAutoNum type="arabicPeriod"/>
               <a:defRPr sz="2400"/>
             </a:pPr>
             <a:r>
-              <a:t>1. User creates a View Space and adds Analytical Views.</a:t>
-            </a:r>
-          </a:p>
-          <a:p>
-            <a:pPr>
+              <a:rPr dirty="0"/>
+              <a:t>User creates a View Space and adds Analytical Views.</a:t>
+            </a:r>
+            <a:br>
+              <a:rPr lang="en-US" dirty="0"/>
+            </a:br>
+            <a:endParaRPr lang="en-US">
+              <a:ea typeface="Calibri"/>
+              <a:cs typeface="Calibri"/>
+            </a:endParaRPr>
+          </a:p>
+          <a:p>
+            <a:pPr marL="457200" indent="-457200">
+              <a:buAutoNum type="arabicPeriod"/>
               <a:defRPr sz="2400"/>
             </a:pPr>
             <a:r>
-              <a:t>2. Service creates Databricks and Power BI DirectQuery tables.</a:t>
-            </a:r>
-          </a:p>
-          <a:p>
-            <a:pPr>
+              <a:rPr dirty="0"/>
+              <a:t>Service creates Databricks and Power BI </a:t>
+            </a:r>
+            <a:r>
+              <a:rPr lang="en-US" dirty="0"/>
+              <a:t>Direct Query</a:t>
+            </a:r>
+            <a:r>
+              <a:rPr dirty="0"/>
+              <a:t> tables.</a:t>
+            </a:r>
+            <a:br>
+              <a:rPr lang="en-US" dirty="0"/>
+            </a:br>
+            <a:endParaRPr dirty="0">
+              <a:ea typeface="Calibri"/>
+              <a:cs typeface="Calibri"/>
+            </a:endParaRPr>
+          </a:p>
+          <a:p>
+            <a:pPr marL="457200" indent="-457200">
+              <a:buAutoNum type="arabicPeriod"/>
               <a:defRPr sz="2400"/>
             </a:pPr>
             <a:r>
-              <a:t>3. A perspective is created in Power BI for each View Space.</a:t>
-            </a:r>
-          </a:p>
-          <a:p>
-            <a:pPr>
+              <a:rPr dirty="0"/>
+              <a:t>A perspective is created in Power BI for each View Space.</a:t>
+            </a:r>
+            <a:br>
+              <a:rPr lang="en-US" dirty="0"/>
+            </a:br>
+            <a:endParaRPr>
+              <a:ea typeface="Calibri"/>
+              <a:cs typeface="Calibri"/>
+            </a:endParaRPr>
+          </a:p>
+          <a:p>
+            <a:pPr marL="457200" indent="-457200">
+              <a:buAutoNum type="arabicPeriod"/>
               <a:defRPr sz="2400"/>
             </a:pPr>
             <a:r>
-              <a:t>4. Queries run on schedule and populate the Databricks tables.</a:t>
-            </a:r>
-          </a:p>
-          <a:p>
-            <a:pPr>
+              <a:rPr dirty="0"/>
+              <a:t>Queries run on schedule and populate the Databricks tables.</a:t>
+            </a:r>
+            <a:br>
+              <a:rPr lang="en-US" dirty="0"/>
+            </a:br>
+            <a:endParaRPr dirty="0">
+              <a:ea typeface="Calibri"/>
+              <a:cs typeface="Calibri"/>
+            </a:endParaRPr>
+          </a:p>
+          <a:p>
+            <a:pPr marL="457200" indent="-457200">
+              <a:buAutoNum type="arabicPeriod"/>
               <a:defRPr sz="2400"/>
             </a:pPr>
             <a:r>
-              <a:t>5. Views accumulate data daily, weekly, or monthly.</a:t>
-            </a:r>
-          </a:p>
-          <a:p>
-            <a:pPr>
+              <a:rPr dirty="0"/>
+              <a:t>Views accumulate data daily, weekly, or monthly.</a:t>
+            </a:r>
+            <a:br>
+              <a:rPr lang="en-US" dirty="0"/>
+            </a:br>
+            <a:endParaRPr>
+              <a:ea typeface="Calibri"/>
+              <a:cs typeface="Calibri"/>
+            </a:endParaRPr>
+          </a:p>
+          <a:p>
+            <a:pPr marL="457200" indent="-457200">
+              <a:buAutoNum type="arabicPeriod"/>
               <a:defRPr sz="2400"/>
             </a:pPr>
             <a:r>
-              <a:t>6. Data is invalidated and resets after retention period.</a:t>
-            </a:r>
-          </a:p>
-          <a:p>
-            <a:pPr>
+              <a:rPr dirty="0"/>
+              <a:t>Data is invalidated and resets after retention period.</a:t>
+            </a:r>
+            <a:br>
+              <a:rPr lang="en-US" dirty="0"/>
+            </a:br>
+            <a:endParaRPr>
+              <a:ea typeface="Calibri"/>
+              <a:cs typeface="Calibri"/>
+            </a:endParaRPr>
+          </a:p>
+          <a:p>
+            <a:pPr marL="457200" indent="-457200">
+              <a:buAutoNum type="arabicPeriod"/>
               <a:defRPr sz="2400"/>
             </a:pPr>
             <a:r>
-              <a:t>7. Users are notified and access data via Power BI or Excel.</a:t>
-            </a:r>
+              <a:t>Users are notified and access data via Power BI or Excel.</a:t>
+            </a:r>
+            <a:endParaRPr>
+              <a:ea typeface="Calibri"/>
+              <a:cs typeface="Calibri"/>
+            </a:endParaRPr>
           </a:p>
         </p:txBody>
       </p:sp>
@@ -3553,7 +3929,7 @@
 </file>
 
 <file path=ppt/slides/slide6.xml><?xml version="1.0" encoding="utf-8"?>
-<p:sld xmlns:a="http://schemas.openxmlformats.org/drawingml/2006/main" xmlns:p="http://schemas.openxmlformats.org/presentationml/2006/main" xmlns:r="http://schemas.openxmlformats.org/officeDocument/2006/relationships">
+<p:sld xmlns:a="http://schemas.openxmlformats.org/drawingml/2006/main" xmlns:r="http://schemas.openxmlformats.org/officeDocument/2006/relationships" xmlns:p="http://schemas.openxmlformats.org/presentationml/2006/main">
   <p:cSld>
     <p:spTree>
       <p:nvGrpSpPr>
@@ -3561,7 +3937,14 @@
         <p:cNvGrpSpPr/>
         <p:nvPr/>
       </p:nvGrpSpPr>
-      <p:grpSpPr/>
+      <p:grpSpPr>
+        <a:xfrm>
+          <a:off x="0" y="0"/>
+          <a:ext cx="0" cy="0"/>
+          <a:chOff x="0" y="0"/>
+          <a:chExt cx="0" cy="0"/>
+        </a:xfrm>
+      </p:grpSpPr>
       <p:sp>
         <p:nvSpPr>
           <p:cNvPr id="2" name="Title 1"/>
@@ -3595,56 +3978,99 @@
         </p:nvSpPr>
         <p:spPr/>
         <p:txBody>
-          <a:bodyPr/>
-          <a:lstStyle/>
-          <a:p/>
+          <a:bodyPr vert="horz" lIns="91440" tIns="45720" rIns="91440" bIns="45720" rtlCol="0" anchor="t">
+            <a:normAutofit/>
+          </a:bodyPr>
+          <a:lstStyle/>
           <a:p>
             <a:pPr>
               <a:defRPr sz="2400"/>
             </a:pPr>
             <a:r>
+              <a:rPr dirty="0"/>
               <a:t>Improved performance for historical and granular queries.</a:t>
             </a:r>
+            <a:br>
+              <a:rPr lang="en-US" dirty="0"/>
+            </a:br>
+            <a:endParaRPr lang="en-US"/>
           </a:p>
           <a:p>
             <a:pPr>
               <a:defRPr sz="2400"/>
             </a:pPr>
             <a:r>
+              <a:rPr dirty="0"/>
               <a:t>Enhanced Excel experience without crashes.</a:t>
             </a:r>
+            <a:br>
+              <a:rPr lang="en-US" dirty="0"/>
+            </a:br>
+            <a:endParaRPr dirty="0">
+              <a:ea typeface="Calibri"/>
+              <a:cs typeface="Calibri"/>
+            </a:endParaRPr>
           </a:p>
           <a:p>
             <a:pPr>
               <a:defRPr sz="2400"/>
             </a:pPr>
             <a:r>
+              <a:rPr dirty="0"/>
               <a:t>Reduced runtime load on Databricks and Power BI.</a:t>
             </a:r>
+            <a:br>
+              <a:rPr lang="en-US" dirty="0"/>
+            </a:br>
+            <a:endParaRPr dirty="0">
+              <a:ea typeface="Calibri"/>
+              <a:cs typeface="Calibri"/>
+            </a:endParaRPr>
           </a:p>
           <a:p>
             <a:pPr>
               <a:defRPr sz="2400"/>
             </a:pPr>
             <a:r>
+              <a:rPr dirty="0"/>
               <a:t>Empowers users with scheduling and self-service.</a:t>
             </a:r>
+            <a:br>
+              <a:rPr lang="en-US" dirty="0"/>
+            </a:br>
+            <a:endParaRPr dirty="0">
+              <a:ea typeface="Calibri"/>
+              <a:cs typeface="Calibri"/>
+            </a:endParaRPr>
           </a:p>
           <a:p>
             <a:pPr>
               <a:defRPr sz="2400"/>
             </a:pPr>
             <a:r>
+              <a:rPr dirty="0"/>
               <a:t>Storage-efficient historical data handling.</a:t>
             </a:r>
+            <a:br>
+              <a:rPr lang="en-US" dirty="0"/>
+            </a:br>
+            <a:endParaRPr dirty="0">
+              <a:ea typeface="Calibri"/>
+              <a:cs typeface="Calibri"/>
+            </a:endParaRPr>
           </a:p>
           <a:p>
             <a:pPr>
               <a:defRPr sz="2400"/>
             </a:pPr>
             <a:r>
+              <a:rPr dirty="0"/>
               <a:t>Seamless integration with existing Power BI models.</a:t>
             </a:r>
+            <a:endParaRPr dirty="0">
+              <a:ea typeface="Calibri"/>
+              <a:cs typeface="Calibri"/>
+            </a:endParaRPr>
           </a:p>
         </p:txBody>
       </p:sp>
@@ -3657,7 +4083,7 @@
 </file>
 
 <file path=ppt/slides/slide7.xml><?xml version="1.0" encoding="utf-8"?>
-<p:sld xmlns:a="http://schemas.openxmlformats.org/drawingml/2006/main" xmlns:p="http://schemas.openxmlformats.org/presentationml/2006/main" xmlns:r="http://schemas.openxmlformats.org/officeDocument/2006/relationships">
+<p:sld xmlns:a="http://schemas.openxmlformats.org/drawingml/2006/main" xmlns:r="http://schemas.openxmlformats.org/officeDocument/2006/relationships" xmlns:p="http://schemas.openxmlformats.org/presentationml/2006/main">
   <p:cSld>
     <p:spTree>
       <p:nvGrpSpPr>
@@ -3665,7 +4091,14 @@
         <p:cNvGrpSpPr/>
         <p:nvPr/>
       </p:nvGrpSpPr>
-      <p:grpSpPr/>
+      <p:grpSpPr>
+        <a:xfrm>
+          <a:off x="0" y="0"/>
+          <a:ext cx="0" cy="0"/>
+          <a:chOff x="0" y="0"/>
+          <a:chExt cx="0" cy="0"/>
+        </a:xfrm>
+      </p:grpSpPr>
       <p:sp>
         <p:nvSpPr>
           <p:cNvPr id="2" name="Title 1"/>
@@ -3699,48 +4132,83 @@
         </p:nvSpPr>
         <p:spPr/>
         <p:txBody>
-          <a:bodyPr/>
-          <a:lstStyle/>
-          <a:p/>
+          <a:bodyPr vert="horz" lIns="91440" tIns="45720" rIns="91440" bIns="45720" rtlCol="0" anchor="t">
+            <a:normAutofit/>
+          </a:bodyPr>
+          <a:lstStyle/>
           <a:p>
             <a:pPr>
               <a:defRPr sz="2400"/>
             </a:pPr>
             <a:r>
-              <a:t>Query previews and cost estimation.</a:t>
-            </a:r>
+              <a:rPr dirty="0"/>
+              <a:t>Query previews.</a:t>
+            </a:r>
+            <a:br>
+              <a:rPr lang="en-US" dirty="0"/>
+            </a:br>
+            <a:endParaRPr lang="en-US"/>
           </a:p>
           <a:p>
             <a:pPr>
               <a:defRPr sz="2400"/>
             </a:pPr>
             <a:r>
+              <a:rPr dirty="0"/>
               <a:t>Support for dependent or chained query execution.</a:t>
             </a:r>
+            <a:br>
+              <a:rPr lang="en-US" dirty="0"/>
+            </a:br>
+            <a:endParaRPr dirty="0">
+              <a:ea typeface="Calibri"/>
+              <a:cs typeface="Calibri"/>
+            </a:endParaRPr>
           </a:p>
           <a:p>
             <a:pPr>
               <a:defRPr sz="2400"/>
             </a:pPr>
             <a:r>
+              <a:rPr dirty="0"/>
               <a:t>Automatic expiration of stale data.</a:t>
             </a:r>
+            <a:br>
+              <a:rPr lang="en-US" dirty="0"/>
+            </a:br>
+            <a:endParaRPr dirty="0">
+              <a:ea typeface="Calibri"/>
+              <a:cs typeface="Calibri"/>
+            </a:endParaRPr>
           </a:p>
           <a:p>
             <a:pPr>
               <a:defRPr sz="2400"/>
             </a:pPr>
             <a:r>
+              <a:rPr dirty="0"/>
               <a:t>Secure sharing of View Spaces across teams.</a:t>
             </a:r>
+            <a:br>
+              <a:rPr lang="en-US" dirty="0"/>
+            </a:br>
+            <a:endParaRPr dirty="0">
+              <a:ea typeface="Calibri"/>
+              <a:cs typeface="Calibri"/>
+            </a:endParaRPr>
           </a:p>
           <a:p>
             <a:pPr>
               <a:defRPr sz="2400"/>
             </a:pPr>
             <a:r>
+              <a:rPr dirty="0"/>
               <a:t>Analytics on usage and performance trends.</a:t>
             </a:r>
+            <a:endParaRPr dirty="0">
+              <a:ea typeface="Calibri"/>
+              <a:cs typeface="Calibri"/>
+            </a:endParaRPr>
           </a:p>
         </p:txBody>
       </p:sp>
